--- a/docs/Sprint2/SRC da sprint.pptx
+++ b/docs/Sprint2/SRC da sprint.pptx
@@ -243,7 +243,7 @@
           <a:p>
             <a:fld id="{6BEE3B4D-EABC-4416-A125-3BFAE0D21E4E}" type="datetimeFigureOut">
               <a:rPr lang="pt-BR" smtClean="0"/>
-              <a:t>14/05/2018</a:t>
+              <a:t>13/05/2018</a:t>
             </a:fld>
             <a:endParaRPr lang="pt-BR"/>
           </a:p>
@@ -413,7 +413,7 @@
           <a:p>
             <a:fld id="{6BEE3B4D-EABC-4416-A125-3BFAE0D21E4E}" type="datetimeFigureOut">
               <a:rPr lang="pt-BR" smtClean="0"/>
-              <a:t>14/05/2018</a:t>
+              <a:t>13/05/2018</a:t>
             </a:fld>
             <a:endParaRPr lang="pt-BR"/>
           </a:p>
@@ -593,7 +593,7 @@
           <a:p>
             <a:fld id="{6BEE3B4D-EABC-4416-A125-3BFAE0D21E4E}" type="datetimeFigureOut">
               <a:rPr lang="pt-BR" smtClean="0"/>
-              <a:t>14/05/2018</a:t>
+              <a:t>13/05/2018</a:t>
             </a:fld>
             <a:endParaRPr lang="pt-BR"/>
           </a:p>
@@ -763,7 +763,7 @@
           <a:p>
             <a:fld id="{6BEE3B4D-EABC-4416-A125-3BFAE0D21E4E}" type="datetimeFigureOut">
               <a:rPr lang="pt-BR" smtClean="0"/>
-              <a:t>14/05/2018</a:t>
+              <a:t>13/05/2018</a:t>
             </a:fld>
             <a:endParaRPr lang="pt-BR"/>
           </a:p>
@@ -1007,7 +1007,7 @@
           <a:p>
             <a:fld id="{6BEE3B4D-EABC-4416-A125-3BFAE0D21E4E}" type="datetimeFigureOut">
               <a:rPr lang="pt-BR" smtClean="0"/>
-              <a:t>14/05/2018</a:t>
+              <a:t>13/05/2018</a:t>
             </a:fld>
             <a:endParaRPr lang="pt-BR"/>
           </a:p>
@@ -1239,7 +1239,7 @@
           <a:p>
             <a:fld id="{6BEE3B4D-EABC-4416-A125-3BFAE0D21E4E}" type="datetimeFigureOut">
               <a:rPr lang="pt-BR" smtClean="0"/>
-              <a:t>14/05/2018</a:t>
+              <a:t>13/05/2018</a:t>
             </a:fld>
             <a:endParaRPr lang="pt-BR"/>
           </a:p>
@@ -1606,7 +1606,7 @@
           <a:p>
             <a:fld id="{6BEE3B4D-EABC-4416-A125-3BFAE0D21E4E}" type="datetimeFigureOut">
               <a:rPr lang="pt-BR" smtClean="0"/>
-              <a:t>14/05/2018</a:t>
+              <a:t>13/05/2018</a:t>
             </a:fld>
             <a:endParaRPr lang="pt-BR"/>
           </a:p>
@@ -1724,7 +1724,7 @@
           <a:p>
             <a:fld id="{6BEE3B4D-EABC-4416-A125-3BFAE0D21E4E}" type="datetimeFigureOut">
               <a:rPr lang="pt-BR" smtClean="0"/>
-              <a:t>14/05/2018</a:t>
+              <a:t>13/05/2018</a:t>
             </a:fld>
             <a:endParaRPr lang="pt-BR"/>
           </a:p>
@@ -1819,7 +1819,7 @@
           <a:p>
             <a:fld id="{6BEE3B4D-EABC-4416-A125-3BFAE0D21E4E}" type="datetimeFigureOut">
               <a:rPr lang="pt-BR" smtClean="0"/>
-              <a:t>14/05/2018</a:t>
+              <a:t>13/05/2018</a:t>
             </a:fld>
             <a:endParaRPr lang="pt-BR"/>
           </a:p>
@@ -2096,7 +2096,7 @@
           <a:p>
             <a:fld id="{6BEE3B4D-EABC-4416-A125-3BFAE0D21E4E}" type="datetimeFigureOut">
               <a:rPr lang="pt-BR" smtClean="0"/>
-              <a:t>14/05/2018</a:t>
+              <a:t>13/05/2018</a:t>
             </a:fld>
             <a:endParaRPr lang="pt-BR"/>
           </a:p>
@@ -2353,7 +2353,7 @@
           <a:p>
             <a:fld id="{6BEE3B4D-EABC-4416-A125-3BFAE0D21E4E}" type="datetimeFigureOut">
               <a:rPr lang="pt-BR" smtClean="0"/>
-              <a:t>14/05/2018</a:t>
+              <a:t>13/05/2018</a:t>
             </a:fld>
             <a:endParaRPr lang="pt-BR"/>
           </a:p>
@@ -2566,7 +2566,7 @@
           <a:p>
             <a:fld id="{6BEE3B4D-EABC-4416-A125-3BFAE0D21E4E}" type="datetimeFigureOut">
               <a:rPr lang="pt-BR" smtClean="0"/>
-              <a:t>14/05/2018</a:t>
+              <a:t>13/05/2018</a:t>
             </a:fld>
             <a:endParaRPr lang="pt-BR"/>
           </a:p>
@@ -2989,8 +2989,8 @@
         </p:nvSpPr>
         <p:spPr>
           <a:xfrm>
-            <a:off x="438150" y="239282"/>
-            <a:ext cx="5829300" cy="4600512"/>
+            <a:off x="514350" y="211015"/>
+            <a:ext cx="5829300" cy="5577362"/>
           </a:xfrm>
         </p:spPr>
         <p:txBody>
@@ -3025,6 +3025,146 @@
                 <a:latin typeface="Arial" panose="020B0604020202020204" pitchFamily="34" charset="0"/>
                 <a:cs typeface="Arial" panose="020B0604020202020204" pitchFamily="34" charset="0"/>
               </a:rPr>
+              <a:t>[0|30-30] Fazer pesquisa sobre o </a:t>
+            </a:r>
+            <a:r>
+              <a:rPr lang="pt-BR" sz="1200" dirty="0" err="1">
+                <a:latin typeface="Arial" panose="020B0604020202020204" pitchFamily="34" charset="0"/>
+                <a:cs typeface="Arial" panose="020B0604020202020204" pitchFamily="34" charset="0"/>
+              </a:rPr>
+              <a:t>Tomcat</a:t>
+            </a:r>
+            <a:br>
+              <a:rPr lang="pt-BR" sz="1200" dirty="0">
+                <a:latin typeface="Arial" panose="020B0604020202020204" pitchFamily="34" charset="0"/>
+                <a:cs typeface="Arial" panose="020B0604020202020204" pitchFamily="34" charset="0"/>
+              </a:rPr>
+            </a:br>
+            <a:r>
+              <a:rPr lang="pt-BR" sz="1200" dirty="0">
+                <a:latin typeface="Arial" panose="020B0604020202020204" pitchFamily="34" charset="0"/>
+                <a:cs typeface="Arial" panose="020B0604020202020204" pitchFamily="34" charset="0"/>
+              </a:rPr>
+              <a:t>[3|20-10] Extrair comandos SQL do </a:t>
+            </a:r>
+            <a:r>
+              <a:rPr lang="pt-BR" sz="1200" dirty="0" err="1">
+                <a:latin typeface="Arial" panose="020B0604020202020204" pitchFamily="34" charset="0"/>
+                <a:cs typeface="Arial" panose="020B0604020202020204" pitchFamily="34" charset="0"/>
+              </a:rPr>
+              <a:t>Ireport</a:t>
+            </a:r>
+            <a:br>
+              <a:rPr lang="pt-BR" sz="1200" dirty="0">
+                <a:latin typeface="Arial" panose="020B0604020202020204" pitchFamily="34" charset="0"/>
+                <a:cs typeface="Arial" panose="020B0604020202020204" pitchFamily="34" charset="0"/>
+              </a:rPr>
+            </a:br>
+            <a:r>
+              <a:rPr lang="pt-BR" sz="1200" dirty="0">
+                <a:latin typeface="Arial" panose="020B0604020202020204" pitchFamily="34" charset="0"/>
+                <a:cs typeface="Arial" panose="020B0604020202020204" pitchFamily="34" charset="0"/>
+              </a:rPr>
+              <a:t>[6|30-20] Criar modelos de HTML</a:t>
+            </a:r>
+            <a:br>
+              <a:rPr lang="pt-BR" sz="1200" dirty="0">
+                <a:latin typeface="Arial" panose="020B0604020202020204" pitchFamily="34" charset="0"/>
+                <a:cs typeface="Arial" panose="020B0604020202020204" pitchFamily="34" charset="0"/>
+              </a:rPr>
+            </a:br>
+            <a:r>
+              <a:rPr lang="pt-BR" sz="1200" dirty="0">
+                <a:latin typeface="Arial" panose="020B0604020202020204" pitchFamily="34" charset="0"/>
+                <a:cs typeface="Arial" panose="020B0604020202020204" pitchFamily="34" charset="0"/>
+              </a:rPr>
+              <a:t>[1|50-30] Criar Driver de conexão com o BD</a:t>
+            </a:r>
+            <a:br>
+              <a:rPr lang="pt-BR" sz="1200" dirty="0">
+                <a:latin typeface="Arial" panose="020B0604020202020204" pitchFamily="34" charset="0"/>
+                <a:cs typeface="Arial" panose="020B0604020202020204" pitchFamily="34" charset="0"/>
+              </a:rPr>
+            </a:br>
+            <a:r>
+              <a:rPr lang="pt-BR" sz="1200" dirty="0">
+                <a:latin typeface="Arial" panose="020B0604020202020204" pitchFamily="34" charset="0"/>
+                <a:cs typeface="Arial" panose="020B0604020202020204" pitchFamily="34" charset="0"/>
+              </a:rPr>
+              <a:t>[4|30-10] Definir sintaxe do </a:t>
+            </a:r>
+            <a:r>
+              <a:rPr lang="pt-BR" sz="1200" dirty="0" err="1">
+                <a:latin typeface="Arial" panose="020B0604020202020204" pitchFamily="34" charset="0"/>
+                <a:cs typeface="Arial" panose="020B0604020202020204" pitchFamily="34" charset="0"/>
+              </a:rPr>
+              <a:t>Replacement</a:t>
+            </a:r>
+            <a:r>
+              <a:rPr lang="pt-BR" sz="1200" dirty="0">
+                <a:latin typeface="Arial" panose="020B0604020202020204" pitchFamily="34" charset="0"/>
+                <a:cs typeface="Arial" panose="020B0604020202020204" pitchFamily="34" charset="0"/>
+              </a:rPr>
+              <a:t> </a:t>
+            </a:r>
+            <a:r>
+              <a:rPr lang="pt-BR" sz="1200" dirty="0" err="1">
+                <a:latin typeface="Arial" panose="020B0604020202020204" pitchFamily="34" charset="0"/>
+                <a:cs typeface="Arial" panose="020B0604020202020204" pitchFamily="34" charset="0"/>
+              </a:rPr>
+              <a:t>Specifier</a:t>
+            </a:r>
+            <a:br>
+              <a:rPr lang="pt-BR" sz="1200" dirty="0">
+                <a:latin typeface="Arial" panose="020B0604020202020204" pitchFamily="34" charset="0"/>
+                <a:cs typeface="Arial" panose="020B0604020202020204" pitchFamily="34" charset="0"/>
+              </a:rPr>
+            </a:br>
+            <a:r>
+              <a:rPr lang="pt-BR" sz="1200" dirty="0">
+                <a:latin typeface="Arial" panose="020B0604020202020204" pitchFamily="34" charset="0"/>
+                <a:cs typeface="Arial" panose="020B0604020202020204" pitchFamily="34" charset="0"/>
+              </a:rPr>
+              <a:t>[0|40-40] Criar aplicação Java rodando no </a:t>
+            </a:r>
+            <a:r>
+              <a:rPr lang="pt-BR" sz="1200" dirty="0" err="1">
+                <a:latin typeface="Arial" panose="020B0604020202020204" pitchFamily="34" charset="0"/>
+                <a:cs typeface="Arial" panose="020B0604020202020204" pitchFamily="34" charset="0"/>
+              </a:rPr>
+              <a:t>tomcat</a:t>
+            </a:r>
+            <a:br>
+              <a:rPr lang="pt-BR" sz="1200" dirty="0">
+                <a:latin typeface="Arial" panose="020B0604020202020204" pitchFamily="34" charset="0"/>
+                <a:cs typeface="Arial" panose="020B0604020202020204" pitchFamily="34" charset="0"/>
+              </a:rPr>
+            </a:br>
+            <a:r>
+              <a:rPr lang="pt-BR" sz="1200" dirty="0">
+                <a:latin typeface="Arial" panose="020B0604020202020204" pitchFamily="34" charset="0"/>
+                <a:cs typeface="Arial" panose="020B0604020202020204" pitchFamily="34" charset="0"/>
+              </a:rPr>
+              <a:t>[0|0-0] Documentar </a:t>
+            </a:r>
+            <a:r>
+              <a:rPr lang="pt-BR" sz="1200" dirty="0" err="1">
+                <a:latin typeface="Arial" panose="020B0604020202020204" pitchFamily="34" charset="0"/>
+                <a:cs typeface="Arial" panose="020B0604020202020204" pitchFamily="34" charset="0"/>
+              </a:rPr>
+              <a:t>Parametros</a:t>
+            </a:r>
+            <a:br>
+              <a:rPr lang="pt-BR" sz="1200" dirty="0">
+                <a:latin typeface="Arial" panose="020B0604020202020204" pitchFamily="34" charset="0"/>
+                <a:cs typeface="Arial" panose="020B0604020202020204" pitchFamily="34" charset="0"/>
+              </a:rPr>
+            </a:br>
+            <a:r>
+              <a:rPr lang="pt-BR" sz="1200" dirty="0">
+                <a:latin typeface="Arial" panose="020B0604020202020204" pitchFamily="34" charset="0"/>
+                <a:cs typeface="Arial" panose="020B0604020202020204" pitchFamily="34" charset="0"/>
+              </a:rPr>
               <a:t>[2|30-10]Criar página web para emitir parâmetros de geração de relatório</a:t>
             </a:r>
             <a:br>
@@ -3038,7 +3178,14 @@
                 <a:latin typeface="Arial" panose="020B0604020202020204" pitchFamily="34" charset="0"/>
                 <a:cs typeface="Arial" panose="020B0604020202020204" pitchFamily="34" charset="0"/>
               </a:rPr>
-              <a:t>[3|30-10]Criar modelo ER do banco fictício</a:t>
+              <a:t>[10|20-30] Criar projeto Java Web no </a:t>
+            </a:r>
+            <a:r>
+              <a:rPr lang="pt-BR" sz="1200" dirty="0" err="1">
+                <a:latin typeface="Arial" panose="020B0604020202020204" pitchFamily="34" charset="0"/>
+                <a:cs typeface="Arial" panose="020B0604020202020204" pitchFamily="34" charset="0"/>
+              </a:rPr>
+              <a:t>Intellij</a:t>
             </a:r>
             <a:br>
               <a:rPr lang="pt-BR" sz="1200" dirty="0">
@@ -3051,88 +3198,55 @@
                 <a:latin typeface="Arial" panose="020B0604020202020204" pitchFamily="34" charset="0"/>
                 <a:cs typeface="Arial" panose="020B0604020202020204" pitchFamily="34" charset="0"/>
               </a:rPr>
-              <a:t>[1|20-10]Criar "consultas em SQL para popular os </a:t>
+              <a:t>[1|30-30] Criar diagrama de processo de geração de relatório</a:t>
+            </a:r>
+            <a:br>
+              <a:rPr lang="pt-BR" sz="1200" dirty="0">
+                <a:latin typeface="Arial" panose="020B0604020202020204" pitchFamily="34" charset="0"/>
+                <a:cs typeface="Arial" panose="020B0604020202020204" pitchFamily="34" charset="0"/>
+              </a:rPr>
+            </a:br>
+            <a:r>
+              <a:rPr lang="pt-BR" sz="1200" dirty="0">
+                <a:latin typeface="Arial" panose="020B0604020202020204" pitchFamily="34" charset="0"/>
+                <a:cs typeface="Arial" panose="020B0604020202020204" pitchFamily="34" charset="0"/>
+              </a:rPr>
+              <a:t>[0|0-0] Criar </a:t>
             </a:r>
             <a:r>
               <a:rPr lang="pt-BR" sz="1200" dirty="0" err="1">
                 <a:latin typeface="Arial" panose="020B0604020202020204" pitchFamily="34" charset="0"/>
                 <a:cs typeface="Arial" panose="020B0604020202020204" pitchFamily="34" charset="0"/>
               </a:rPr>
-              <a:t>checkbox</a:t>
-            </a:r>
-            <a:r>
-              <a:rPr lang="pt-BR" sz="1200" dirty="0">
-                <a:latin typeface="Arial" panose="020B0604020202020204" pitchFamily="34" charset="0"/>
-                <a:cs typeface="Arial" panose="020B0604020202020204" pitchFamily="34" charset="0"/>
-              </a:rPr>
-              <a:t>" da "página em HTML para emitir parâmetros“</a:t>
-            </a:r>
-            <a:br>
-              <a:rPr lang="pt-BR" sz="1200" dirty="0">
-                <a:latin typeface="Arial" panose="020B0604020202020204" pitchFamily="34" charset="0"/>
-                <a:cs typeface="Arial" panose="020B0604020202020204" pitchFamily="34" charset="0"/>
-              </a:rPr>
-            </a:br>
-            <a:r>
-              <a:rPr lang="pt-BR" sz="1200" dirty="0">
-                <a:latin typeface="Arial" panose="020B0604020202020204" pitchFamily="34" charset="0"/>
-                <a:cs typeface="Arial" panose="020B0604020202020204" pitchFamily="34" charset="0"/>
-              </a:rPr>
-              <a:t>[1|50-30] Criar Driver de conexão com o BD</a:t>
-            </a:r>
-            <a:br>
-              <a:rPr lang="pt-BR" sz="1200" dirty="0">
-                <a:latin typeface="Arial" panose="020B0604020202020204" pitchFamily="34" charset="0"/>
-                <a:cs typeface="Arial" panose="020B0604020202020204" pitchFamily="34" charset="0"/>
-              </a:rPr>
-            </a:br>
-            <a:r>
-              <a:rPr lang="pt-BR" sz="1200" dirty="0">
-                <a:latin typeface="Arial" panose="020B0604020202020204" pitchFamily="34" charset="0"/>
-                <a:cs typeface="Arial" panose="020B0604020202020204" pitchFamily="34" charset="0"/>
-              </a:rPr>
-              <a:t>[3|10-20] Criar e popular banco de dados fictício</a:t>
-            </a:r>
-            <a:br>
-              <a:rPr lang="pt-BR" sz="1200" dirty="0">
-                <a:latin typeface="Arial" panose="020B0604020202020204" pitchFamily="34" charset="0"/>
-                <a:cs typeface="Arial" panose="020B0604020202020204" pitchFamily="34" charset="0"/>
-              </a:rPr>
-            </a:br>
-            <a:r>
-              <a:rPr lang="pt-BR" sz="1200" dirty="0">
-                <a:latin typeface="Arial" panose="020B0604020202020204" pitchFamily="34" charset="0"/>
-                <a:cs typeface="Arial" panose="020B0604020202020204" pitchFamily="34" charset="0"/>
-              </a:rPr>
-              <a:t>[1|30-30] Integrar </a:t>
+              <a:t>parser</a:t>
+            </a:r>
+            <a:r>
+              <a:rPr lang="pt-BR" sz="1200" dirty="0">
+                <a:latin typeface="Arial" panose="020B0604020202020204" pitchFamily="34" charset="0"/>
+                <a:cs typeface="Arial" panose="020B0604020202020204" pitchFamily="34" charset="0"/>
+              </a:rPr>
+              <a:t> para </a:t>
             </a:r>
             <a:r>
               <a:rPr lang="pt-BR" sz="1200" dirty="0" err="1">
                 <a:latin typeface="Arial" panose="020B0604020202020204" pitchFamily="34" charset="0"/>
                 <a:cs typeface="Arial" panose="020B0604020202020204" pitchFamily="34" charset="0"/>
               </a:rPr>
-              <a:t>Trello</a:t>
-            </a:r>
-            <a:r>
-              <a:rPr lang="pt-BR" sz="1200" dirty="0">
-                <a:latin typeface="Arial" panose="020B0604020202020204" pitchFamily="34" charset="0"/>
-                <a:cs typeface="Arial" panose="020B0604020202020204" pitchFamily="34" charset="0"/>
-              </a:rPr>
-              <a:t> com gerador de </a:t>
+              <a:t>Replacement</a:t>
+            </a:r>
+            <a:r>
+              <a:rPr lang="pt-BR" sz="1200" dirty="0">
+                <a:latin typeface="Arial" panose="020B0604020202020204" pitchFamily="34" charset="0"/>
+                <a:cs typeface="Arial" panose="020B0604020202020204" pitchFamily="34" charset="0"/>
+              </a:rPr>
+              <a:t> </a:t>
             </a:r>
             <a:r>
               <a:rPr lang="pt-BR" sz="1200" dirty="0" err="1">
                 <a:latin typeface="Arial" panose="020B0604020202020204" pitchFamily="34" charset="0"/>
                 <a:cs typeface="Arial" panose="020B0604020202020204" pitchFamily="34" charset="0"/>
               </a:rPr>
-              <a:t>Burndown</a:t>
-            </a:r>
-            <a:r>
-              <a:rPr lang="pt-BR" sz="1200" dirty="0">
-                <a:latin typeface="Arial" panose="020B0604020202020204" pitchFamily="34" charset="0"/>
-                <a:cs typeface="Arial" panose="020B0604020202020204" pitchFamily="34" charset="0"/>
-              </a:rPr>
-              <a:t> Chart</a:t>
+              <a:t>Specifier</a:t>
             </a:r>
             <a:br>
               <a:rPr lang="pt-BR" sz="1200" dirty="0">
@@ -3166,6 +3280,96 @@
                 <a:cs typeface="Arial" panose="020B0604020202020204" pitchFamily="34" charset="0"/>
               </a:rPr>
             </a:br>
+            <a:r>
+              <a:rPr lang="pt-BR" sz="1200" dirty="0">
+                <a:latin typeface="Arial" panose="020B0604020202020204" pitchFamily="34" charset="0"/>
+                <a:cs typeface="Arial" panose="020B0604020202020204" pitchFamily="34" charset="0"/>
+              </a:rPr>
+              <a:t>[0|0-0] Documentar </a:t>
+            </a:r>
+            <a:r>
+              <a:rPr lang="pt-BR" sz="1200" dirty="0" err="1">
+                <a:latin typeface="Arial" panose="020B0604020202020204" pitchFamily="34" charset="0"/>
+                <a:cs typeface="Arial" panose="020B0604020202020204" pitchFamily="34" charset="0"/>
+              </a:rPr>
+              <a:t>Parametros</a:t>
+            </a:r>
+            <a:r>
+              <a:rPr lang="pt-BR" sz="1200" dirty="0">
+                <a:latin typeface="Arial" panose="020B0604020202020204" pitchFamily="34" charset="0"/>
+                <a:cs typeface="Arial" panose="020B0604020202020204" pitchFamily="34" charset="0"/>
+              </a:rPr>
+              <a:t> – </a:t>
+            </a:r>
+            <a:r>
+              <a:rPr lang="pt-BR" sz="1200" b="1" dirty="0">
+                <a:latin typeface="Arial" panose="020B0604020202020204" pitchFamily="34" charset="0"/>
+                <a:cs typeface="Arial" panose="020B0604020202020204" pitchFamily="34" charset="0"/>
+              </a:rPr>
+              <a:t>30/04</a:t>
+            </a:r>
+            <a:br>
+              <a:rPr lang="pt-BR" sz="1200" dirty="0">
+                <a:latin typeface="Arial" panose="020B0604020202020204" pitchFamily="34" charset="0"/>
+                <a:cs typeface="Arial" panose="020B0604020202020204" pitchFamily="34" charset="0"/>
+              </a:rPr>
+            </a:br>
+            <a:r>
+              <a:rPr lang="pt-BR" sz="1200" dirty="0">
+                <a:latin typeface="Arial" panose="020B0604020202020204" pitchFamily="34" charset="0"/>
+                <a:cs typeface="Arial" panose="020B0604020202020204" pitchFamily="34" charset="0"/>
+              </a:rPr>
+              <a:t>[0|0-0] Criar </a:t>
+            </a:r>
+            <a:r>
+              <a:rPr lang="pt-BR" sz="1200" dirty="0" err="1">
+                <a:latin typeface="Arial" panose="020B0604020202020204" pitchFamily="34" charset="0"/>
+                <a:cs typeface="Arial" panose="020B0604020202020204" pitchFamily="34" charset="0"/>
+              </a:rPr>
+              <a:t>parser</a:t>
+            </a:r>
+            <a:r>
+              <a:rPr lang="pt-BR" sz="1200" dirty="0">
+                <a:latin typeface="Arial" panose="020B0604020202020204" pitchFamily="34" charset="0"/>
+                <a:cs typeface="Arial" panose="020B0604020202020204" pitchFamily="34" charset="0"/>
+              </a:rPr>
+              <a:t> para </a:t>
+            </a:r>
+            <a:r>
+              <a:rPr lang="pt-BR" sz="1200" dirty="0" err="1">
+                <a:latin typeface="Arial" panose="020B0604020202020204" pitchFamily="34" charset="0"/>
+                <a:cs typeface="Arial" panose="020B0604020202020204" pitchFamily="34" charset="0"/>
+              </a:rPr>
+              <a:t>Replacement</a:t>
+            </a:r>
+            <a:r>
+              <a:rPr lang="pt-BR" sz="1200" dirty="0">
+                <a:latin typeface="Arial" panose="020B0604020202020204" pitchFamily="34" charset="0"/>
+                <a:cs typeface="Arial" panose="020B0604020202020204" pitchFamily="34" charset="0"/>
+              </a:rPr>
+              <a:t> </a:t>
+            </a:r>
+            <a:r>
+              <a:rPr lang="pt-BR" sz="1200" dirty="0" err="1">
+                <a:latin typeface="Arial" panose="020B0604020202020204" pitchFamily="34" charset="0"/>
+                <a:cs typeface="Arial" panose="020B0604020202020204" pitchFamily="34" charset="0"/>
+              </a:rPr>
+              <a:t>Specifier</a:t>
+            </a:r>
+            <a:r>
+              <a:rPr lang="pt-BR" sz="1200" dirty="0">
+                <a:latin typeface="Arial" panose="020B0604020202020204" pitchFamily="34" charset="0"/>
+                <a:cs typeface="Arial" panose="020B0604020202020204" pitchFamily="34" charset="0"/>
+              </a:rPr>
+              <a:t> – </a:t>
+            </a:r>
+            <a:r>
+              <a:rPr lang="pt-BR" sz="1200" b="1" dirty="0">
+                <a:latin typeface="Arial" panose="020B0604020202020204" pitchFamily="34" charset="0"/>
+                <a:cs typeface="Arial" panose="020B0604020202020204" pitchFamily="34" charset="0"/>
+              </a:rPr>
+              <a:t>24/04</a:t>
+            </a:r>
             <a:br>
               <a:rPr lang="pt-BR" sz="1200" dirty="0">
                 <a:latin typeface="Arial" panose="020B0604020202020204" pitchFamily="34" charset="0"/>
@@ -3203,14 +3407,28 @@
                 <a:latin typeface="Arial" panose="020B0604020202020204" pitchFamily="34" charset="0"/>
                 <a:cs typeface="Arial" panose="020B0604020202020204" pitchFamily="34" charset="0"/>
               </a:rPr>
-              <a:t>[2|30-10]Criar página web para emitir parâmetros de geração de relatório – </a:t>
+              <a:t>[0|30-30] Fazer pesquisa sobre o </a:t>
+            </a:r>
+            <a:r>
+              <a:rPr lang="pt-BR" sz="1200" dirty="0" err="1">
+                <a:latin typeface="Arial" panose="020B0604020202020204" pitchFamily="34" charset="0"/>
+                <a:cs typeface="Arial" panose="020B0604020202020204" pitchFamily="34" charset="0"/>
+              </a:rPr>
+              <a:t>Tomcat</a:t>
+            </a:r>
+            <a:r>
+              <a:rPr lang="pt-BR" sz="1200" dirty="0">
+                <a:latin typeface="Arial" panose="020B0604020202020204" pitchFamily="34" charset="0"/>
+                <a:cs typeface="Arial" panose="020B0604020202020204" pitchFamily="34" charset="0"/>
+              </a:rPr>
+              <a:t> – </a:t>
             </a:r>
             <a:r>
               <a:rPr lang="pt-BR" sz="1200" b="1" dirty="0">
                 <a:latin typeface="Arial" panose="020B0604020202020204" pitchFamily="34" charset="0"/>
                 <a:cs typeface="Arial" panose="020B0604020202020204" pitchFamily="34" charset="0"/>
               </a:rPr>
-              <a:t>08/05</a:t>
+              <a:t>01/05</a:t>
             </a:r>
             <a:br>
               <a:rPr lang="pt-BR" sz="1200" dirty="0">
@@ -3223,14 +3441,28 @@
                 <a:latin typeface="Arial" panose="020B0604020202020204" pitchFamily="34" charset="0"/>
                 <a:cs typeface="Arial" panose="020B0604020202020204" pitchFamily="34" charset="0"/>
               </a:rPr>
-              <a:t>[3|30-10]Criar modelo ER do banco fictício – </a:t>
+              <a:t>[3|20-10] Extrair comandos SQL do </a:t>
+            </a:r>
+            <a:r>
+              <a:rPr lang="pt-BR" sz="1200" dirty="0" err="1">
+                <a:latin typeface="Arial" panose="020B0604020202020204" pitchFamily="34" charset="0"/>
+                <a:cs typeface="Arial" panose="020B0604020202020204" pitchFamily="34" charset="0"/>
+              </a:rPr>
+              <a:t>Ireport</a:t>
+            </a:r>
+            <a:r>
+              <a:rPr lang="pt-BR" sz="1200" dirty="0">
+                <a:latin typeface="Arial" panose="020B0604020202020204" pitchFamily="34" charset="0"/>
+                <a:cs typeface="Arial" panose="020B0604020202020204" pitchFamily="34" charset="0"/>
+              </a:rPr>
+              <a:t> – </a:t>
             </a:r>
             <a:r>
               <a:rPr lang="pt-BR" sz="1200" b="1" dirty="0">
                 <a:latin typeface="Arial" panose="020B0604020202020204" pitchFamily="34" charset="0"/>
                 <a:cs typeface="Arial" panose="020B0604020202020204" pitchFamily="34" charset="0"/>
               </a:rPr>
-              <a:t>04/05</a:t>
+              <a:t>24/04</a:t>
             </a:r>
             <a:br>
               <a:rPr lang="pt-BR" sz="1200" dirty="0">
@@ -3243,28 +3475,62 @@
                 <a:latin typeface="Arial" panose="020B0604020202020204" pitchFamily="34" charset="0"/>
                 <a:cs typeface="Arial" panose="020B0604020202020204" pitchFamily="34" charset="0"/>
               </a:rPr>
-              <a:t>[1|20-10]Criar "consultas em SQL para popular os </a:t>
+              <a:t>[6|30-20] Criar modelos de HTML – </a:t>
+            </a:r>
+            <a:r>
+              <a:rPr lang="pt-BR" sz="1200" b="1" dirty="0">
+                <a:latin typeface="Arial" panose="020B0604020202020204" pitchFamily="34" charset="0"/>
+                <a:cs typeface="Arial" panose="020B0604020202020204" pitchFamily="34" charset="0"/>
+              </a:rPr>
+              <a:t>24/04</a:t>
+            </a:r>
+            <a:br>
+              <a:rPr lang="pt-BR" sz="1200" dirty="0">
+                <a:latin typeface="Arial" panose="020B0604020202020204" pitchFamily="34" charset="0"/>
+                <a:cs typeface="Arial" panose="020B0604020202020204" pitchFamily="34" charset="0"/>
+              </a:rPr>
+            </a:br>
+            <a:r>
+              <a:rPr lang="pt-BR" sz="1200" dirty="0">
+                <a:latin typeface="Arial" panose="020B0604020202020204" pitchFamily="34" charset="0"/>
+                <a:cs typeface="Arial" panose="020B0604020202020204" pitchFamily="34" charset="0"/>
+              </a:rPr>
+              <a:t>[4|30-10] Definir sintaxe do </a:t>
             </a:r>
             <a:r>
               <a:rPr lang="pt-BR" sz="1200" dirty="0" err="1">
                 <a:latin typeface="Arial" panose="020B0604020202020204" pitchFamily="34" charset="0"/>
                 <a:cs typeface="Arial" panose="020B0604020202020204" pitchFamily="34" charset="0"/>
               </a:rPr>
-              <a:t>checkbox</a:t>
-            </a:r>
-            <a:r>
-              <a:rPr lang="pt-BR" sz="1200" dirty="0">
-                <a:latin typeface="Arial" panose="020B0604020202020204" pitchFamily="34" charset="0"/>
-                <a:cs typeface="Arial" panose="020B0604020202020204" pitchFamily="34" charset="0"/>
-              </a:rPr>
-              <a:t>" da "página em HTML para emitir parâmetros“– </a:t>
+              <a:t>Replacement</a:t>
+            </a:r>
+            <a:r>
+              <a:rPr lang="pt-BR" sz="1200" dirty="0">
+                <a:latin typeface="Arial" panose="020B0604020202020204" pitchFamily="34" charset="0"/>
+                <a:cs typeface="Arial" panose="020B0604020202020204" pitchFamily="34" charset="0"/>
+              </a:rPr>
+              <a:t> </a:t>
+            </a:r>
+            <a:r>
+              <a:rPr lang="pt-BR" sz="1200" dirty="0" err="1">
+                <a:latin typeface="Arial" panose="020B0604020202020204" pitchFamily="34" charset="0"/>
+                <a:cs typeface="Arial" panose="020B0604020202020204" pitchFamily="34" charset="0"/>
+              </a:rPr>
+              <a:t>Specifier</a:t>
+            </a:r>
+            <a:r>
+              <a:rPr lang="pt-BR" sz="1200" dirty="0">
+                <a:latin typeface="Arial" panose="020B0604020202020204" pitchFamily="34" charset="0"/>
+                <a:cs typeface="Arial" panose="020B0604020202020204" pitchFamily="34" charset="0"/>
+              </a:rPr>
+              <a:t> – </a:t>
             </a:r>
             <a:r>
               <a:rPr lang="pt-BR" sz="1200" b="1" dirty="0">
                 <a:latin typeface="Arial" panose="020B0604020202020204" pitchFamily="34" charset="0"/>
                 <a:cs typeface="Arial" panose="020B0604020202020204" pitchFamily="34" charset="0"/>
               </a:rPr>
-              <a:t>04/05</a:t>
+              <a:t>24/04</a:t>
             </a:r>
             <a:br>
               <a:rPr lang="pt-BR" sz="1200" dirty="0">
@@ -3277,82 +3543,28 @@
                 <a:latin typeface="Arial" panose="020B0604020202020204" pitchFamily="34" charset="0"/>
                 <a:cs typeface="Arial" panose="020B0604020202020204" pitchFamily="34" charset="0"/>
               </a:rPr>
-              <a:t>[1|50-30] Criar Driver de conexão com o BD – </a:t>
+              <a:t>[0|40-40] Criar aplicação Java rodando no </a:t>
+            </a:r>
+            <a:r>
+              <a:rPr lang="pt-BR" sz="1200" dirty="0" err="1">
+                <a:latin typeface="Arial" panose="020B0604020202020204" pitchFamily="34" charset="0"/>
+                <a:cs typeface="Arial" panose="020B0604020202020204" pitchFamily="34" charset="0"/>
+              </a:rPr>
+              <a:t>tomcat</a:t>
+            </a:r>
+            <a:r>
+              <a:rPr lang="pt-BR" sz="1200" dirty="0">
+                <a:latin typeface="Arial" panose="020B0604020202020204" pitchFamily="34" charset="0"/>
+                <a:cs typeface="Arial" panose="020B0604020202020204" pitchFamily="34" charset="0"/>
+              </a:rPr>
+              <a:t> – </a:t>
             </a:r>
             <a:r>
               <a:rPr lang="pt-BR" sz="1200" b="1" dirty="0">
                 <a:latin typeface="Arial" panose="020B0604020202020204" pitchFamily="34" charset="0"/>
                 <a:cs typeface="Arial" panose="020B0604020202020204" pitchFamily="34" charset="0"/>
               </a:rPr>
-              <a:t>04/05</a:t>
-            </a:r>
-            <a:br>
-              <a:rPr lang="pt-BR" sz="1200" dirty="0">
-                <a:latin typeface="Arial" panose="020B0604020202020204" pitchFamily="34" charset="0"/>
-                <a:cs typeface="Arial" panose="020B0604020202020204" pitchFamily="34" charset="0"/>
-              </a:rPr>
-            </a:br>
-            <a:r>
-              <a:rPr lang="pt-BR" sz="1200" dirty="0">
-                <a:latin typeface="Arial" panose="020B0604020202020204" pitchFamily="34" charset="0"/>
-                <a:cs typeface="Arial" panose="020B0604020202020204" pitchFamily="34" charset="0"/>
-              </a:rPr>
-              <a:t>[3|10-20] Criar e popular banco de dados fictício – </a:t>
-            </a:r>
-            <a:r>
-              <a:rPr lang="pt-BR" sz="1200" b="1" dirty="0">
-                <a:latin typeface="Arial" panose="020B0604020202020204" pitchFamily="34" charset="0"/>
-                <a:cs typeface="Arial" panose="020B0604020202020204" pitchFamily="34" charset="0"/>
-              </a:rPr>
-              <a:t>04/05</a:t>
-            </a:r>
-            <a:br>
-              <a:rPr lang="pt-BR" sz="1200" dirty="0">
-                <a:latin typeface="Arial" panose="020B0604020202020204" pitchFamily="34" charset="0"/>
-                <a:cs typeface="Arial" panose="020B0604020202020204" pitchFamily="34" charset="0"/>
-              </a:rPr>
-            </a:br>
-            <a:r>
-              <a:rPr lang="pt-BR" sz="1200" dirty="0">
-                <a:latin typeface="Arial" panose="020B0604020202020204" pitchFamily="34" charset="0"/>
-                <a:cs typeface="Arial" panose="020B0604020202020204" pitchFamily="34" charset="0"/>
-              </a:rPr>
-              <a:t>[1|30-30] Integrar </a:t>
-            </a:r>
-            <a:r>
-              <a:rPr lang="pt-BR" sz="1200" dirty="0" err="1">
-                <a:latin typeface="Arial" panose="020B0604020202020204" pitchFamily="34" charset="0"/>
-                <a:cs typeface="Arial" panose="020B0604020202020204" pitchFamily="34" charset="0"/>
-              </a:rPr>
-              <a:t>Trello</a:t>
-            </a:r>
-            <a:r>
-              <a:rPr lang="pt-BR" sz="1200" dirty="0">
-                <a:latin typeface="Arial" panose="020B0604020202020204" pitchFamily="34" charset="0"/>
-                <a:cs typeface="Arial" panose="020B0604020202020204" pitchFamily="34" charset="0"/>
-              </a:rPr>
-              <a:t> com gerador de </a:t>
-            </a:r>
-            <a:r>
-              <a:rPr lang="pt-BR" sz="1200" dirty="0" err="1">
-                <a:latin typeface="Arial" panose="020B0604020202020204" pitchFamily="34" charset="0"/>
-                <a:cs typeface="Arial" panose="020B0604020202020204" pitchFamily="34" charset="0"/>
-              </a:rPr>
-              <a:t>Burndown</a:t>
-            </a:r>
-            <a:r>
-              <a:rPr lang="pt-BR" sz="1200" dirty="0">
-                <a:latin typeface="Arial" panose="020B0604020202020204" pitchFamily="34" charset="0"/>
-                <a:cs typeface="Arial" panose="020B0604020202020204" pitchFamily="34" charset="0"/>
-              </a:rPr>
-              <a:t> Chart – </a:t>
-            </a:r>
-            <a:r>
-              <a:rPr lang="pt-BR" sz="1200" b="1" dirty="0">
-                <a:latin typeface="Arial" panose="020B0604020202020204" pitchFamily="34" charset="0"/>
-                <a:cs typeface="Arial" panose="020B0604020202020204" pitchFamily="34" charset="0"/>
-              </a:rPr>
-              <a:t>04/05</a:t>
+              <a:t>25/04</a:t>
             </a:r>
             <a:br>
               <a:rPr lang="pt-BR" sz="1200" dirty="0">
@@ -3379,6 +3591,26 @@
                 <a:cs typeface="Arial" panose="020B0604020202020204" pitchFamily="34" charset="0"/>
               </a:rPr>
             </a:br>
+            <a:r>
+              <a:rPr lang="pt-BR" sz="1200" dirty="0">
+                <a:latin typeface="Arial" panose="020B0604020202020204" pitchFamily="34" charset="0"/>
+                <a:cs typeface="Arial" panose="020B0604020202020204" pitchFamily="34" charset="0"/>
+              </a:rPr>
+              <a:t>[2|30-10]Criar página web para emitir parâmetros de geração de relatório</a:t>
+            </a:r>
+            <a:br>
+              <a:rPr lang="pt-BR" sz="1200" dirty="0">
+                <a:latin typeface="Arial" panose="020B0604020202020204" pitchFamily="34" charset="0"/>
+                <a:cs typeface="Arial" panose="020B0604020202020204" pitchFamily="34" charset="0"/>
+              </a:rPr>
+            </a:br>
+            <a:r>
+              <a:rPr lang="pt-BR" sz="1200" dirty="0">
+                <a:latin typeface="Arial" panose="020B0604020202020204" pitchFamily="34" charset="0"/>
+                <a:cs typeface="Arial" panose="020B0604020202020204" pitchFamily="34" charset="0"/>
+              </a:rPr>
+              <a:t>[1|50-30] Criar Driver de conexão com o BD</a:t>
+            </a:r>
             <a:br>
               <a:rPr lang="pt-BR" sz="1200" dirty="0">
                 <a:latin typeface="Arial" panose="020B0604020202020204" pitchFamily="34" charset="0"/>
@@ -3411,6 +3643,54 @@
                 <a:cs typeface="Arial" panose="020B0604020202020204" pitchFamily="34" charset="0"/>
               </a:rPr>
             </a:br>
+            <a:r>
+              <a:rPr lang="pt-BR" sz="1200" dirty="0">
+                <a:latin typeface="Arial" panose="020B0604020202020204" pitchFamily="34" charset="0"/>
+                <a:cs typeface="Arial" panose="020B0604020202020204" pitchFamily="34" charset="0"/>
+              </a:rPr>
+              <a:t>[10|20-30] Criar projeto Java Web no </a:t>
+            </a:r>
+            <a:r>
+              <a:rPr lang="pt-BR" sz="1200" dirty="0" err="1">
+                <a:latin typeface="Arial" panose="020B0604020202020204" pitchFamily="34" charset="0"/>
+                <a:cs typeface="Arial" panose="020B0604020202020204" pitchFamily="34" charset="0"/>
+              </a:rPr>
+              <a:t>Intellij</a:t>
+            </a:r>
+            <a:r>
+              <a:rPr lang="pt-BR" sz="1200" dirty="0">
+                <a:latin typeface="Arial" panose="020B0604020202020204" pitchFamily="34" charset="0"/>
+                <a:cs typeface="Arial" panose="020B0604020202020204" pitchFamily="34" charset="0"/>
+              </a:rPr>
+              <a:t> – </a:t>
+            </a:r>
+            <a:r>
+              <a:rPr lang="pt-BR" sz="1200" b="1" dirty="0">
+                <a:latin typeface="Arial" panose="020B0604020202020204" pitchFamily="34" charset="0"/>
+                <a:cs typeface="Arial" panose="020B0604020202020204" pitchFamily="34" charset="0"/>
+              </a:rPr>
+              <a:t>24/04</a:t>
+            </a:r>
+            <a:br>
+              <a:rPr lang="pt-BR" sz="1200" dirty="0">
+                <a:latin typeface="Arial" panose="020B0604020202020204" pitchFamily="34" charset="0"/>
+                <a:cs typeface="Arial" panose="020B0604020202020204" pitchFamily="34" charset="0"/>
+              </a:rPr>
+            </a:br>
+            <a:r>
+              <a:rPr lang="pt-BR" sz="1200" dirty="0">
+                <a:latin typeface="Arial" panose="020B0604020202020204" pitchFamily="34" charset="0"/>
+                <a:cs typeface="Arial" panose="020B0604020202020204" pitchFamily="34" charset="0"/>
+              </a:rPr>
+              <a:t>[1|30-30] Criar diagrama de processo de geração de relatório – </a:t>
+            </a:r>
+            <a:r>
+              <a:rPr lang="pt-BR" sz="1200" b="1" dirty="0">
+                <a:latin typeface="Arial" panose="020B0604020202020204" pitchFamily="34" charset="0"/>
+                <a:cs typeface="Arial" panose="020B0604020202020204" pitchFamily="34" charset="0"/>
+              </a:rPr>
+              <a:t>30/04</a:t>
+            </a:r>
             <a:br>
               <a:rPr lang="pt-BR" sz="1200" dirty="0">
                 <a:latin typeface="Arial" panose="020B0604020202020204" pitchFamily="34" charset="0"/>
@@ -3426,10 +3706,10 @@
       </p:sp>
       <p:pic>
         <p:nvPicPr>
-          <p:cNvPr id="5" name="Imagem 4">
+          <p:cNvPr id="4" name="Imagem 3">
             <a:extLst>
               <a:ext uri="{FF2B5EF4-FFF2-40B4-BE49-F238E27FC236}">
-                <a16:creationId xmlns:a16="http://schemas.microsoft.com/office/drawing/2014/main" id="{014C6163-6E51-440E-BFC5-02853A53284E}"/>
+                <a16:creationId xmlns:a16="http://schemas.microsoft.com/office/drawing/2014/main" id="{37A3D249-5822-488F-BFF1-437F3912EC65}"/>
               </a:ext>
             </a:extLst>
           </p:cNvPr>
@@ -3446,14 +3726,49 @@
         </p:blipFill>
         <p:spPr>
           <a:xfrm>
-            <a:off x="514350" y="4993618"/>
-            <a:ext cx="5676900" cy="3362325"/>
+            <a:off x="647700" y="6096000"/>
+            <a:ext cx="5695950" cy="3295650"/>
           </a:xfrm>
           <a:prstGeom prst="rect">
             <a:avLst/>
           </a:prstGeom>
         </p:spPr>
       </p:pic>
+      <p:sp>
+        <p:nvSpPr>
+          <p:cNvPr id="3" name="CaixaDeTexto 2">
+            <a:extLst>
+              <a:ext uri="{FF2B5EF4-FFF2-40B4-BE49-F238E27FC236}">
+                <a16:creationId xmlns:a16="http://schemas.microsoft.com/office/drawing/2014/main" id="{22269DAE-4F93-41D8-88AD-BB4A4FB81217}"/>
+              </a:ext>
+            </a:extLst>
+          </p:cNvPr>
+          <p:cNvSpPr txBox="1"/>
+          <p:nvPr/>
+        </p:nvSpPr>
+        <p:spPr>
+          <a:xfrm>
+            <a:off x="735623" y="9357946"/>
+            <a:ext cx="5386754" cy="369332"/>
+          </a:xfrm>
+          <a:prstGeom prst="rect">
+            <a:avLst/>
+          </a:prstGeom>
+          <a:noFill/>
+        </p:spPr>
+        <p:txBody>
+          <a:bodyPr wrap="square" rtlCol="0">
+            <a:spAutoFit/>
+          </a:bodyPr>
+          <a:lstStyle/>
+          <a:p>
+            <a:r>
+              <a:rPr lang="pt-BR" sz="900" dirty="0"/>
+              <a:t>https://docs.google.com/spreadsheets/d/1jq9FMdEy9iObWJMaOSadWWRLAwvZRTI0ZHahX6yTbuM/edit?usp=sharing</a:t>
+            </a:r>
+          </a:p>
+        </p:txBody>
+      </p:sp>
     </p:spTree>
     <p:extLst>
       <p:ext uri="{BB962C8B-B14F-4D97-AF65-F5344CB8AC3E}">
